--- a/Presentation/cs523_presentation.pptx
+++ b/Presentation/cs523_presentation.pptx
@@ -18,16 +18,17 @@
     <p:sldId id="263" r:id="rId13"/>
     <p:sldId id="264" r:id="rId14"/>
     <p:sldId id="265" r:id="rId15"/>
+    <p:sldId id="266" r:id="rId16"/>
   </p:sldIdLst>
   <p:sldSz cy="5143500" cx="9144000"/>
   <p:notesSz cx="6858000" cy="9144000"/>
   <p:embeddedFontLst>
     <p:embeddedFont>
       <p:font typeface="Nunito"/>
-      <p:regular r:id="rId16"/>
-      <p:bold r:id="rId17"/>
-      <p:italic r:id="rId18"/>
-      <p:boldItalic r:id="rId19"/>
+      <p:regular r:id="rId17"/>
+      <p:bold r:id="rId18"/>
+      <p:italic r:id="rId19"/>
+      <p:boldItalic r:id="rId20"/>
     </p:embeddedFont>
   </p:embeddedFontLst>
   <p:defaultTextStyle>
@@ -808,7 +809,7 @@
   <p:cSld>
     <p:spTree>
       <p:nvGrpSpPr>
-        <p:cNvPr id="185" name="Shape 185"/>
+        <p:cNvPr id="187" name="Shape 187"/>
         <p:cNvGrpSpPr/>
         <p:nvPr/>
       </p:nvGrpSpPr>
@@ -822,7 +823,7 @@
       </p:grpSpPr>
       <p:sp>
         <p:nvSpPr>
-          <p:cNvPr id="186" name="Google Shape;186;gb808ad046c_0_154:notes"/>
+          <p:cNvPr id="188" name="Google Shape;188;ge394e23aca_0_0:notes"/>
           <p:cNvSpPr/>
           <p:nvPr>
             <p:ph idx="2" type="sldImg"/>
@@ -857,7 +858,106 @@
       </p:sp>
       <p:sp>
         <p:nvSpPr>
-          <p:cNvPr id="187" name="Google Shape;187;gb808ad046c_0_154:notes"/>
+          <p:cNvPr id="189" name="Google Shape;189;ge394e23aca_0_0:notes"/>
+          <p:cNvSpPr txBox="1"/>
+          <p:nvPr>
+            <p:ph idx="1" type="body"/>
+          </p:nvPr>
+        </p:nvSpPr>
+        <p:spPr>
+          <a:xfrm>
+            <a:off x="685800" y="4343400"/>
+            <a:ext cx="5486400" cy="4114800"/>
+          </a:xfrm>
+          <a:prstGeom prst="rect">
+            <a:avLst/>
+          </a:prstGeom>
+        </p:spPr>
+        <p:txBody>
+          <a:bodyPr anchorCtr="0" anchor="t" bIns="91425" lIns="91425" spcFirstLastPara="1" rIns="91425" wrap="square" tIns="91425">
+            <a:noAutofit/>
+          </a:bodyPr>
+          <a:lstStyle/>
+          <a:p>
+            <a:pPr indent="0" lvl="0" marL="0" rtl="0" algn="l">
+              <a:spcBef>
+                <a:spcPts val="0"/>
+              </a:spcBef>
+              <a:spcAft>
+                <a:spcPts val="0"/>
+              </a:spcAft>
+              <a:buNone/>
+            </a:pPr>
+            <a:r>
+              <a:t/>
+            </a:r>
+            <a:endParaRPr/>
+          </a:p>
+        </p:txBody>
+      </p:sp>
+    </p:spTree>
+  </p:cSld>
+  <p:clrMapOvr>
+    <a:masterClrMapping/>
+  </p:clrMapOvr>
+</p:notes>
+</file>
+
+<file path=ppt/notesSlides/notesSlide11.xml><?xml version="1.0" encoding="utf-8"?>
+<p:notes xmlns:a="http://schemas.openxmlformats.org/drawingml/2006/main" xmlns:r="http://schemas.openxmlformats.org/officeDocument/2006/relationships" xmlns:mc="http://schemas.openxmlformats.org/markup-compatibility/2006" xmlns:mv="urn:schemas-microsoft-com:mac:vml" xmlns:p="http://schemas.openxmlformats.org/presentationml/2006/main" xmlns:c="http://schemas.openxmlformats.org/drawingml/2006/chart" xmlns:dgm="http://schemas.openxmlformats.org/drawingml/2006/diagram" xmlns:o="urn:schemas-microsoft-com:office:office" xmlns:v="urn:schemas-microsoft-com:vml" xmlns:pvml="urn:schemas-microsoft-com:office:powerpoint" xmlns:com="http://schemas.openxmlformats.org/drawingml/2006/compatibility" xmlns:p14="http://schemas.microsoft.com/office/powerpoint/2010/main" xmlns:p15="http://schemas.microsoft.com/office/powerpoint/2012/main" xmlns:ahyp="http://schemas.microsoft.com/office/drawing/2018/hyperlinkcolor" showMasterPhAnim="0" showMasterSp="0">
+  <p:cSld>
+    <p:spTree>
+      <p:nvGrpSpPr>
+        <p:cNvPr id="194" name="Shape 194"/>
+        <p:cNvGrpSpPr/>
+        <p:nvPr/>
+      </p:nvGrpSpPr>
+      <p:grpSpPr>
+        <a:xfrm>
+          <a:off x="0" y="0"/>
+          <a:ext cx="0" cy="0"/>
+          <a:chOff x="0" y="0"/>
+          <a:chExt cx="0" cy="0"/>
+        </a:xfrm>
+      </p:grpSpPr>
+      <p:sp>
+        <p:nvSpPr>
+          <p:cNvPr id="195" name="Google Shape;195;ge394e23aca_0_6:notes"/>
+          <p:cNvSpPr/>
+          <p:nvPr>
+            <p:ph idx="2" type="sldImg"/>
+          </p:nvPr>
+        </p:nvSpPr>
+        <p:spPr>
+          <a:xfrm>
+            <a:off x="381300" y="685800"/>
+            <a:ext cx="6096000" cy="3429000"/>
+          </a:xfrm>
+          <a:custGeom>
+            <a:rect b="b" l="l" r="r" t="t"/>
+            <a:pathLst>
+              <a:path extrusionOk="0" h="120000" w="120000">
+                <a:moveTo>
+                  <a:pt x="0" y="0"/>
+                </a:moveTo>
+                <a:lnTo>
+                  <a:pt x="120000" y="0"/>
+                </a:lnTo>
+                <a:lnTo>
+                  <a:pt x="120000" y="120000"/>
+                </a:lnTo>
+                <a:lnTo>
+                  <a:pt x="0" y="120000"/>
+                </a:lnTo>
+                <a:close/>
+              </a:path>
+            </a:pathLst>
+          </a:custGeom>
+        </p:spPr>
+      </p:sp>
+      <p:sp>
+        <p:nvSpPr>
+          <p:cNvPr id="196" name="Google Shape;196;ge394e23aca_0_6:notes"/>
           <p:cNvSpPr txBox="1"/>
           <p:nvPr>
             <p:ph idx="1" type="body"/>
@@ -1105,7 +1205,7 @@
   <p:cSld>
     <p:spTree>
       <p:nvGrpSpPr>
-        <p:cNvPr id="143" name="Shape 143"/>
+        <p:cNvPr id="145" name="Shape 145"/>
         <p:cNvGrpSpPr/>
         <p:nvPr/>
       </p:nvGrpSpPr>
@@ -1119,7 +1219,7 @@
       </p:grpSpPr>
       <p:sp>
         <p:nvSpPr>
-          <p:cNvPr id="144" name="Google Shape;144;gb808ad046c_0_124:notes"/>
+          <p:cNvPr id="146" name="Google Shape;146;gb808ad046c_0_124:notes"/>
           <p:cNvSpPr/>
           <p:nvPr>
             <p:ph idx="2" type="sldImg"/>
@@ -1154,7 +1254,7 @@
       </p:sp>
       <p:sp>
         <p:nvSpPr>
-          <p:cNvPr id="145" name="Google Shape;145;gb808ad046c_0_124:notes"/>
+          <p:cNvPr id="147" name="Google Shape;147;gb808ad046c_0_124:notes"/>
           <p:cNvSpPr txBox="1"/>
           <p:nvPr>
             <p:ph idx="1" type="body"/>
@@ -1204,7 +1304,7 @@
   <p:cSld>
     <p:spTree>
       <p:nvGrpSpPr>
-        <p:cNvPr id="150" name="Shape 150"/>
+        <p:cNvPr id="152" name="Shape 152"/>
         <p:cNvGrpSpPr/>
         <p:nvPr/>
       </p:nvGrpSpPr>
@@ -1218,7 +1318,7 @@
       </p:grpSpPr>
       <p:sp>
         <p:nvSpPr>
-          <p:cNvPr id="151" name="Google Shape;151;gb808ad046c_0_129:notes"/>
+          <p:cNvPr id="153" name="Google Shape;153;gb808ad046c_0_134:notes"/>
           <p:cNvSpPr/>
           <p:nvPr>
             <p:ph idx="2" type="sldImg"/>
@@ -1253,7 +1353,7 @@
       </p:sp>
       <p:sp>
         <p:nvSpPr>
-          <p:cNvPr id="152" name="Google Shape;152;gb808ad046c_0_129:notes"/>
+          <p:cNvPr id="154" name="Google Shape;154;gb808ad046c_0_134:notes"/>
           <p:cNvSpPr txBox="1"/>
           <p:nvPr>
             <p:ph idx="1" type="body"/>
@@ -1317,7 +1417,7 @@
       </p:grpSpPr>
       <p:sp>
         <p:nvSpPr>
-          <p:cNvPr id="160" name="Google Shape;160;gb808ad046c_0_134:notes"/>
+          <p:cNvPr id="160" name="Google Shape;160;gb808ad046c_0_139:notes"/>
           <p:cNvSpPr/>
           <p:nvPr>
             <p:ph idx="2" type="sldImg"/>
@@ -1352,7 +1452,7 @@
       </p:sp>
       <p:sp>
         <p:nvSpPr>
-          <p:cNvPr id="161" name="Google Shape;161;gb808ad046c_0_134:notes"/>
+          <p:cNvPr id="161" name="Google Shape;161;gb808ad046c_0_139:notes"/>
           <p:cNvSpPr txBox="1"/>
           <p:nvPr>
             <p:ph idx="1" type="body"/>
@@ -1416,7 +1516,7 @@
       </p:grpSpPr>
       <p:sp>
         <p:nvSpPr>
-          <p:cNvPr id="167" name="Google Shape;167;gb808ad046c_0_139:notes"/>
+          <p:cNvPr id="167" name="Google Shape;167;gb808ad046c_0_144:notes"/>
           <p:cNvSpPr/>
           <p:nvPr>
             <p:ph idx="2" type="sldImg"/>
@@ -1451,7 +1551,7 @@
       </p:sp>
       <p:sp>
         <p:nvSpPr>
-          <p:cNvPr id="168" name="Google Shape;168;gb808ad046c_0_139:notes"/>
+          <p:cNvPr id="168" name="Google Shape;168;gb808ad046c_0_144:notes"/>
           <p:cNvSpPr txBox="1"/>
           <p:nvPr>
             <p:ph idx="1" type="body"/>
@@ -1515,7 +1615,7 @@
       </p:grpSpPr>
       <p:sp>
         <p:nvSpPr>
-          <p:cNvPr id="174" name="Google Shape;174;gb808ad046c_0_144:notes"/>
+          <p:cNvPr id="174" name="Google Shape;174;gb808ad046c_0_129:notes"/>
           <p:cNvSpPr/>
           <p:nvPr>
             <p:ph idx="2" type="sldImg"/>
@@ -1550,7 +1650,7 @@
       </p:sp>
       <p:sp>
         <p:nvSpPr>
-          <p:cNvPr id="175" name="Google Shape;175;gb808ad046c_0_144:notes"/>
+          <p:cNvPr id="175" name="Google Shape;175;gb808ad046c_0_129:notes"/>
           <p:cNvSpPr txBox="1"/>
           <p:nvPr>
             <p:ph idx="1" type="body"/>
@@ -1600,7 +1700,7 @@
   <p:cSld>
     <p:spTree>
       <p:nvGrpSpPr>
-        <p:cNvPr id="180" name="Shape 180"/>
+        <p:cNvPr id="182" name="Shape 182"/>
         <p:cNvGrpSpPr/>
         <p:nvPr/>
       </p:nvGrpSpPr>
@@ -1614,7 +1714,7 @@
       </p:grpSpPr>
       <p:sp>
         <p:nvSpPr>
-          <p:cNvPr id="181" name="Google Shape;181;gb808ad046c_0_149:notes"/>
+          <p:cNvPr id="183" name="Google Shape;183;gb808ad046c_0_149:notes"/>
           <p:cNvSpPr/>
           <p:nvPr>
             <p:ph idx="2" type="sldImg"/>
@@ -1649,7 +1749,7 @@
       </p:sp>
       <p:sp>
         <p:nvSpPr>
-          <p:cNvPr id="182" name="Google Shape;182;gb808ad046c_0_149:notes"/>
+          <p:cNvPr id="184" name="Google Shape;184;gb808ad046c_0_149:notes"/>
           <p:cNvSpPr txBox="1"/>
           <p:nvPr>
             <p:ph idx="1" type="body"/>
@@ -9792,8 +9892,8 @@
         </p:nvSpPr>
         <p:spPr>
           <a:xfrm>
-            <a:off x="1858703" y="1822833"/>
-            <a:ext cx="5361300" cy="1448100"/>
+            <a:off x="1121825" y="1822825"/>
+            <a:ext cx="6547500" cy="1448100"/>
           </a:xfrm>
           <a:prstGeom prst="rect">
             <a:avLst/>
@@ -9801,7 +9901,7 @@
         </p:spPr>
         <p:txBody>
           <a:bodyPr anchorCtr="0" anchor="ctr" bIns="91425" lIns="91425" spcFirstLastPara="1" rIns="91425" wrap="square" tIns="91425">
-            <a:normAutofit/>
+            <a:normAutofit fontScale="90000"/>
           </a:bodyPr>
           <a:lstStyle/>
           <a:p>
@@ -9816,19 +9916,7 @@
             </a:pPr>
             <a:r>
               <a:rPr lang="en"/>
-              <a:t>Jester-Gesture 3D CNN </a:t>
-            </a:r>
-            <a:r>
-              <a:rPr lang="en"/>
-              <a:t>Training</a:t>
-            </a:r>
-            <a:r>
-              <a:rPr lang="en"/>
-              <a:t> </a:t>
-            </a:r>
-            <a:r>
-              <a:rPr lang="en"/>
-              <a:t>Environment</a:t>
+              <a:t>Jester-Gesture Dataset Training &amp; Testing Environment</a:t>
             </a:r>
             <a:endParaRPr/>
           </a:p>
@@ -9887,7 +9975,7 @@
   <p:cSld>
     <p:spTree>
       <p:nvGrpSpPr>
-        <p:cNvPr id="188" name="Shape 188"/>
+        <p:cNvPr id="190" name="Shape 190"/>
         <p:cNvGrpSpPr/>
         <p:nvPr/>
       </p:nvGrpSpPr>
@@ -9901,7 +9989,7 @@
       </p:grpSpPr>
       <p:sp>
         <p:nvSpPr>
-          <p:cNvPr id="189" name="Google Shape;189;p22"/>
+          <p:cNvPr id="191" name="Google Shape;191;p22"/>
           <p:cNvSpPr txBox="1"/>
           <p:nvPr>
             <p:ph type="title"/>
@@ -9933,9 +10021,295 @@
             </a:pPr>
             <a:r>
               <a:rPr lang="en"/>
-              <a:t>Live Example</a:t>
+              <a:t>Github Link</a:t>
             </a:r>
             <a:endParaRPr/>
+          </a:p>
+        </p:txBody>
+      </p:sp>
+      <p:sp>
+        <p:nvSpPr>
+          <p:cNvPr id="192" name="Google Shape;192;p22"/>
+          <p:cNvSpPr txBox="1"/>
+          <p:nvPr>
+            <p:ph idx="1" type="body"/>
+          </p:nvPr>
+        </p:nvSpPr>
+        <p:spPr>
+          <a:xfrm>
+            <a:off x="819150" y="1990725"/>
+            <a:ext cx="7505700" cy="2448000"/>
+          </a:xfrm>
+          <a:prstGeom prst="rect">
+            <a:avLst/>
+          </a:prstGeom>
+        </p:spPr>
+        <p:txBody>
+          <a:bodyPr anchorCtr="0" anchor="t" bIns="91425" lIns="91425" spcFirstLastPara="1" rIns="91425" wrap="square" tIns="91425">
+            <a:normAutofit/>
+          </a:bodyPr>
+          <a:lstStyle/>
+          <a:p>
+            <a:pPr indent="0" lvl="0" marL="0" rtl="0" algn="ctr">
+              <a:spcBef>
+                <a:spcPts val="0"/>
+              </a:spcBef>
+              <a:spcAft>
+                <a:spcPts val="1200"/>
+              </a:spcAft>
+              <a:buNone/>
+            </a:pPr>
+            <a:r>
+              <a:rPr lang="en" u="sng">
+                <a:solidFill>
+                  <a:schemeClr val="hlink"/>
+                </a:solidFill>
+                <a:hlinkClick r:id="rId3"/>
+              </a:rPr>
+              <a:t>https://github.com/yrtimd/Jester-Gesture-3D-CNN</a:t>
+            </a:r>
+            <a:r>
+              <a:rPr lang="en"/>
+              <a:t> </a:t>
+            </a:r>
+            <a:endParaRPr/>
+          </a:p>
+        </p:txBody>
+      </p:sp>
+      <p:pic>
+        <p:nvPicPr>
+          <p:cNvPr id="193" name="Google Shape;193;p22"/>
+          <p:cNvPicPr preferRelativeResize="0"/>
+          <p:nvPr/>
+        </p:nvPicPr>
+        <p:blipFill>
+          <a:blip r:embed="rId4">
+            <a:alphaModFix/>
+          </a:blip>
+          <a:stretch>
+            <a:fillRect/>
+          </a:stretch>
+        </p:blipFill>
+        <p:spPr>
+          <a:xfrm>
+            <a:off x="2391125" y="2463875"/>
+            <a:ext cx="4361750" cy="2123950"/>
+          </a:xfrm>
+          <a:prstGeom prst="rect">
+            <a:avLst/>
+          </a:prstGeom>
+          <a:noFill/>
+          <a:ln>
+            <a:noFill/>
+          </a:ln>
+        </p:spPr>
+      </p:pic>
+    </p:spTree>
+  </p:cSld>
+  <p:clrMapOvr>
+    <a:masterClrMapping/>
+  </p:clrMapOvr>
+</p:sld>
+</file>
+
+<file path=ppt/slides/slide11.xml><?xml version="1.0" encoding="utf-8"?>
+<p:sld xmlns:a="http://schemas.openxmlformats.org/drawingml/2006/main" xmlns:r="http://schemas.openxmlformats.org/officeDocument/2006/relationships" xmlns:mc="http://schemas.openxmlformats.org/markup-compatibility/2006" xmlns:mv="urn:schemas-microsoft-com:mac:vml" xmlns:p="http://schemas.openxmlformats.org/presentationml/2006/main" xmlns:c="http://schemas.openxmlformats.org/drawingml/2006/chart" xmlns:dgm="http://schemas.openxmlformats.org/drawingml/2006/diagram" xmlns:o="urn:schemas-microsoft-com:office:office" xmlns:v="urn:schemas-microsoft-com:vml" xmlns:pvml="urn:schemas-microsoft-com:office:powerpoint" xmlns:com="http://schemas.openxmlformats.org/drawingml/2006/compatibility" xmlns:p14="http://schemas.microsoft.com/office/powerpoint/2010/main" xmlns:p15="http://schemas.microsoft.com/office/powerpoint/2012/main" xmlns:ahyp="http://schemas.microsoft.com/office/drawing/2018/hyperlinkcolor">
+  <p:cSld>
+    <p:spTree>
+      <p:nvGrpSpPr>
+        <p:cNvPr id="197" name="Shape 197"/>
+        <p:cNvGrpSpPr/>
+        <p:nvPr/>
+      </p:nvGrpSpPr>
+      <p:grpSpPr>
+        <a:xfrm>
+          <a:off x="0" y="0"/>
+          <a:ext cx="0" cy="0"/>
+          <a:chOff x="0" y="0"/>
+          <a:chExt cx="0" cy="0"/>
+        </a:xfrm>
+      </p:grpSpPr>
+      <p:sp>
+        <p:nvSpPr>
+          <p:cNvPr id="198" name="Google Shape;198;p23"/>
+          <p:cNvSpPr txBox="1"/>
+          <p:nvPr>
+            <p:ph type="title"/>
+          </p:nvPr>
+        </p:nvSpPr>
+        <p:spPr>
+          <a:xfrm>
+            <a:off x="819150" y="845600"/>
+            <a:ext cx="7505700" cy="954600"/>
+          </a:xfrm>
+          <a:prstGeom prst="rect">
+            <a:avLst/>
+          </a:prstGeom>
+        </p:spPr>
+        <p:txBody>
+          <a:bodyPr anchorCtr="0" anchor="t" bIns="91425" lIns="91425" spcFirstLastPara="1" rIns="91425" wrap="square" tIns="91425">
+            <a:normAutofit/>
+          </a:bodyPr>
+          <a:lstStyle/>
+          <a:p>
+            <a:pPr indent="0" lvl="0" marL="0" rtl="0" algn="ctr">
+              <a:spcBef>
+                <a:spcPts val="0"/>
+              </a:spcBef>
+              <a:spcAft>
+                <a:spcPts val="0"/>
+              </a:spcAft>
+              <a:buNone/>
+            </a:pPr>
+            <a:r>
+              <a:rPr lang="en"/>
+              <a:t>References</a:t>
+            </a:r>
+            <a:endParaRPr/>
+          </a:p>
+        </p:txBody>
+      </p:sp>
+      <p:sp>
+        <p:nvSpPr>
+          <p:cNvPr id="199" name="Google Shape;199;p23"/>
+          <p:cNvSpPr txBox="1"/>
+          <p:nvPr>
+            <p:ph idx="1" type="body"/>
+          </p:nvPr>
+        </p:nvSpPr>
+        <p:spPr>
+          <a:xfrm>
+            <a:off x="819150" y="1990725"/>
+            <a:ext cx="7505700" cy="2448000"/>
+          </a:xfrm>
+          <a:prstGeom prst="rect">
+            <a:avLst/>
+          </a:prstGeom>
+        </p:spPr>
+        <p:txBody>
+          <a:bodyPr anchorCtr="0" anchor="t" bIns="91425" lIns="91425" spcFirstLastPara="1" rIns="91425" wrap="square" tIns="91425">
+            <a:normAutofit/>
+          </a:bodyPr>
+          <a:lstStyle/>
+          <a:p>
+            <a:pPr indent="-292100" lvl="0" marL="457200" rtl="0" algn="l">
+              <a:lnSpc>
+                <a:spcPct val="150000"/>
+              </a:lnSpc>
+              <a:spcBef>
+                <a:spcPts val="0"/>
+              </a:spcBef>
+              <a:spcAft>
+                <a:spcPts val="0"/>
+              </a:spcAft>
+              <a:buClr>
+                <a:srgbClr val="24292E"/>
+              </a:buClr>
+              <a:buSzPts val="1000"/>
+              <a:buFont typeface="Courier New"/>
+              <a:buChar char="●"/>
+            </a:pPr>
+            <a:r>
+              <a:rPr lang="en" sz="1000">
+                <a:solidFill>
+                  <a:srgbClr val="24292E"/>
+                </a:solidFill>
+                <a:latin typeface="Courier New"/>
+                <a:ea typeface="Courier New"/>
+                <a:cs typeface="Courier New"/>
+                <a:sym typeface="Courier New"/>
+              </a:rPr>
+              <a:t>Zhu, G., Zhang, L., Mei, L., Shen, P., Shah, S.A.A. and Bennamoun, M. (2018) _Attention in Convolutional LSTM for Gesture Recognition._ In: 32nd Conference on Neural Information Processing Systems (NIPS) 2018, 3 - 8 December 2018, Montreal, Canada</a:t>
+            </a:r>
+            <a:endParaRPr sz="1000">
+              <a:solidFill>
+                <a:srgbClr val="24292E"/>
+              </a:solidFill>
+              <a:latin typeface="Courier New"/>
+              <a:ea typeface="Courier New"/>
+              <a:cs typeface="Courier New"/>
+              <a:sym typeface="Courier New"/>
+            </a:endParaRPr>
+          </a:p>
+          <a:p>
+            <a:pPr indent="-292100" lvl="0" marL="457200" rtl="0" algn="l">
+              <a:lnSpc>
+                <a:spcPct val="150000"/>
+              </a:lnSpc>
+              <a:spcBef>
+                <a:spcPts val="1000"/>
+              </a:spcBef>
+              <a:spcAft>
+                <a:spcPts val="0"/>
+              </a:spcAft>
+              <a:buClr>
+                <a:srgbClr val="24292E"/>
+              </a:buClr>
+              <a:buSzPts val="1000"/>
+              <a:buFont typeface="Courier New"/>
+              <a:buChar char="●"/>
+            </a:pPr>
+            <a:r>
+              <a:rPr lang="en" sz="1000">
+                <a:solidFill>
+                  <a:srgbClr val="24292E"/>
+                </a:solidFill>
+                <a:latin typeface="Courier New"/>
+                <a:ea typeface="Courier New"/>
+                <a:cs typeface="Courier New"/>
+                <a:sym typeface="Courier New"/>
+              </a:rPr>
+              <a:t>J. Materzynska, G. Berger, I. Bax and R. Memisevic, "The Jester Dataset: A Large-Scale Video Dataset of Human Gestures," 2019 IEEE/CVF International Conference on Computer Vision Workshop (ICCVW)</a:t>
+            </a:r>
+            <a:endParaRPr sz="1000">
+              <a:solidFill>
+                <a:srgbClr val="24292E"/>
+              </a:solidFill>
+              <a:latin typeface="Courier New"/>
+              <a:ea typeface="Courier New"/>
+              <a:cs typeface="Courier New"/>
+              <a:sym typeface="Courier New"/>
+            </a:endParaRPr>
+          </a:p>
+          <a:p>
+            <a:pPr indent="-292100" lvl="0" marL="457200" rtl="0" algn="l">
+              <a:lnSpc>
+                <a:spcPct val="150000"/>
+              </a:lnSpc>
+              <a:spcBef>
+                <a:spcPts val="1000"/>
+              </a:spcBef>
+              <a:spcAft>
+                <a:spcPts val="1000"/>
+              </a:spcAft>
+              <a:buClr>
+                <a:srgbClr val="24292E"/>
+              </a:buClr>
+              <a:buSzPts val="1000"/>
+              <a:buFont typeface="Courier New"/>
+              <a:buChar char="●"/>
+            </a:pPr>
+            <a:r>
+              <a:rPr lang="en" sz="1000">
+                <a:solidFill>
+                  <a:srgbClr val="24292E"/>
+                </a:solidFill>
+                <a:latin typeface="Courier New"/>
+                <a:ea typeface="Courier New"/>
+                <a:cs typeface="Courier New"/>
+                <a:sym typeface="Courier New"/>
+              </a:rPr>
+              <a:t>L. Shi, Y. Zhang, J. Hu, J. Cheng and H. Lu, "Gesture Recognition Using Spatiotemporal Deformable Convolutional Representation," _2019 IEEE International Conference on Image Processing (ICIP)</a:t>
+            </a:r>
+            <a:endParaRPr sz="1000">
+              <a:solidFill>
+                <a:srgbClr val="24292E"/>
+              </a:solidFill>
+              <a:latin typeface="Courier New"/>
+              <a:ea typeface="Courier New"/>
+              <a:cs typeface="Courier New"/>
+              <a:sym typeface="Courier New"/>
+            </a:endParaRPr>
           </a:p>
         </p:txBody>
       </p:sp>
@@ -9998,7 +10372,7 @@
             </a:pPr>
             <a:r>
               <a:rPr lang="en"/>
-              <a:t>Jester Dataset</a:t>
+              <a:t>Jester v1 Dataset</a:t>
             </a:r>
             <a:endParaRPr/>
           </a:p>
@@ -10014,7 +10388,7 @@
         </p:nvSpPr>
         <p:spPr>
           <a:xfrm>
-            <a:off x="819150" y="1687325"/>
+            <a:off x="685100" y="1715550"/>
             <a:ext cx="3753000" cy="2778900"/>
           </a:xfrm>
           <a:prstGeom prst="rect">
@@ -10027,7 +10401,7 @@
           </a:bodyPr>
           <a:lstStyle/>
           <a:p>
-            <a:pPr indent="-349250" lvl="0" marL="457200" rtl="0" algn="l">
+            <a:pPr indent="-368300" lvl="0" marL="457200" rtl="0" algn="l">
               <a:lnSpc>
                 <a:spcPct val="150000"/>
               </a:lnSpc>
@@ -10037,122 +10411,74 @@
               <a:spcAft>
                 <a:spcPts val="0"/>
               </a:spcAft>
-              <a:buSzPts val="1900"/>
+              <a:buSzPts val="2200"/>
               <a:buChar char="●"/>
             </a:pPr>
             <a:r>
-              <a:rPr lang="en" sz="1900"/>
+              <a:rPr lang="en" sz="2200"/>
               <a:t>27 different Gesture labels</a:t>
             </a:r>
-            <a:endParaRPr sz="1900"/>
+            <a:endParaRPr sz="2200"/>
           </a:p>
           <a:p>
-            <a:pPr indent="-349250" lvl="0" marL="457200" rtl="0" algn="l">
+            <a:pPr indent="-368300" lvl="0" marL="457200" rtl="0" algn="l">
               <a:lnSpc>
                 <a:spcPct val="150000"/>
               </a:lnSpc>
               <a:spcBef>
-                <a:spcPts val="0"/>
-              </a:spcBef>
-              <a:spcAft>
-                <a:spcPts val="0"/>
-              </a:spcAft>
-              <a:buSzPts val="1900"/>
+                <a:spcPts val="1000"/>
+              </a:spcBef>
+              <a:spcAft>
+                <a:spcPts val="0"/>
+              </a:spcAft>
+              <a:buSzPts val="2200"/>
               <a:buChar char="●"/>
             </a:pPr>
             <a:r>
-              <a:rPr lang="en" sz="1900"/>
+              <a:rPr lang="en" sz="2200"/>
               <a:t>148,092 videos</a:t>
             </a:r>
-            <a:endParaRPr sz="1900"/>
+            <a:endParaRPr sz="2200"/>
           </a:p>
           <a:p>
-            <a:pPr indent="-349250" lvl="0" marL="457200" rtl="0" algn="l">
+            <a:pPr indent="-368300" lvl="0" marL="457200" rtl="0" algn="l">
               <a:lnSpc>
                 <a:spcPct val="150000"/>
               </a:lnSpc>
               <a:spcBef>
-                <a:spcPts val="0"/>
-              </a:spcBef>
-              <a:spcAft>
-                <a:spcPts val="0"/>
-              </a:spcAft>
-              <a:buSzPts val="1900"/>
+                <a:spcPts val="1000"/>
+              </a:spcBef>
+              <a:spcAft>
+                <a:spcPts val="0"/>
+              </a:spcAft>
+              <a:buSzPts val="2200"/>
               <a:buChar char="●"/>
             </a:pPr>
             <a:r>
-              <a:rPr lang="en" sz="1900"/>
+              <a:rPr lang="en" sz="2200"/>
               <a:t>RGB frames</a:t>
             </a:r>
-            <a:endParaRPr sz="1900"/>
+            <a:endParaRPr sz="2200"/>
           </a:p>
           <a:p>
-            <a:pPr indent="-349250" lvl="0" marL="457200" rtl="0" algn="l">
+            <a:pPr indent="-368300" lvl="0" marL="457200" rtl="0" algn="l">
               <a:lnSpc>
                 <a:spcPct val="150000"/>
               </a:lnSpc>
               <a:spcBef>
-                <a:spcPts val="0"/>
-              </a:spcBef>
-              <a:spcAft>
-                <a:spcPts val="0"/>
-              </a:spcAft>
-              <a:buSzPts val="1900"/>
+                <a:spcPts val="1000"/>
+              </a:spcBef>
+              <a:spcAft>
+                <a:spcPts val="1000"/>
+              </a:spcAft>
+              <a:buSzPts val="2200"/>
               <a:buChar char="●"/>
             </a:pPr>
             <a:r>
-              <a:rPr lang="en" sz="1900"/>
-              <a:t>~35GB of data</a:t>
+              <a:rPr lang="en" sz="2200"/>
+              <a:t>~54GB of data</a:t>
             </a:r>
-            <a:endParaRPr sz="1900"/>
-          </a:p>
-          <a:p>
-            <a:pPr indent="-349250" lvl="0" marL="457200" rtl="0" algn="l">
-              <a:lnSpc>
-                <a:spcPct val="150000"/>
-              </a:lnSpc>
-              <a:spcBef>
-                <a:spcPts val="0"/>
-              </a:spcBef>
-              <a:spcAft>
-                <a:spcPts val="0"/>
-              </a:spcAft>
-              <a:buSzPts val="1900"/>
-              <a:buChar char="●"/>
-            </a:pPr>
-            <a:r>
-              <a:rPr lang="en" sz="1900"/>
-              <a:t> </a:t>
-            </a:r>
-            <a:r>
-              <a:rPr lang="en" sz="1900"/>
-              <a:t>Competitive</a:t>
-            </a:r>
-            <a:r>
-              <a:rPr lang="en" sz="1900"/>
-              <a:t> Leaderboard</a:t>
-            </a:r>
-            <a:endParaRPr sz="1900"/>
-          </a:p>
-          <a:p>
-            <a:pPr indent="-349250" lvl="0" marL="457200" rtl="0" algn="l">
-              <a:lnSpc>
-                <a:spcPct val="150000"/>
-              </a:lnSpc>
-              <a:spcBef>
-                <a:spcPts val="0"/>
-              </a:spcBef>
-              <a:spcAft>
-                <a:spcPts val="0"/>
-              </a:spcAft>
-              <a:buSzPts val="1900"/>
-              <a:buChar char="●"/>
-            </a:pPr>
-            <a:r>
-              <a:rPr lang="en" sz="1900"/>
-              <a:t>Free Use</a:t>
-            </a:r>
-            <a:endParaRPr sz="1900"/>
+            <a:endParaRPr sz="2200"/>
           </a:p>
         </p:txBody>
       </p:sp>
@@ -10243,7 +10569,7 @@
             </a:pPr>
             <a:r>
               <a:rPr lang="en"/>
-              <a:t>Jester Dataset Example</a:t>
+              <a:t>Jester v1 Dataset</a:t>
             </a:r>
             <a:endParaRPr/>
           </a:p>
@@ -10265,8 +10591,8 @@
         </p:blipFill>
         <p:spPr>
           <a:xfrm>
-            <a:off x="3029683" y="1610113"/>
-            <a:ext cx="5344640" cy="3152776"/>
+            <a:off x="4536725" y="2499100"/>
+            <a:ext cx="3837601" cy="2263799"/>
           </a:xfrm>
           <a:prstGeom prst="rect">
             <a:avLst/>
@@ -10277,6 +10603,180 @@
           </a:ln>
         </p:spPr>
       </p:pic>
+      <p:pic>
+        <p:nvPicPr>
+          <p:cNvPr id="143" name="Google Shape;143;p15"/>
+          <p:cNvPicPr preferRelativeResize="0"/>
+          <p:nvPr/>
+        </p:nvPicPr>
+        <p:blipFill>
+          <a:blip r:embed="rId4">
+            <a:alphaModFix/>
+          </a:blip>
+          <a:stretch>
+            <a:fillRect/>
+          </a:stretch>
+        </p:blipFill>
+        <p:spPr>
+          <a:xfrm>
+            <a:off x="3937002" y="1682725"/>
+            <a:ext cx="687950" cy="2571750"/>
+          </a:xfrm>
+          <a:prstGeom prst="rect">
+            <a:avLst/>
+          </a:prstGeom>
+          <a:noFill/>
+          <a:ln>
+            <a:noFill/>
+          </a:ln>
+        </p:spPr>
+      </p:pic>
+      <p:sp>
+        <p:nvSpPr>
+          <p:cNvPr id="144" name="Google Shape;144;p15"/>
+          <p:cNvSpPr txBox="1"/>
+          <p:nvPr/>
+        </p:nvSpPr>
+        <p:spPr>
+          <a:xfrm>
+            <a:off x="380975" y="1940250"/>
+            <a:ext cx="3739500" cy="1539300"/>
+          </a:xfrm>
+          <a:prstGeom prst="rect">
+            <a:avLst/>
+          </a:prstGeom>
+          <a:noFill/>
+          <a:ln>
+            <a:noFill/>
+          </a:ln>
+        </p:spPr>
+        <p:txBody>
+          <a:bodyPr anchorCtr="0" anchor="t" bIns="91425" lIns="91425" spcFirstLastPara="1" rIns="91425" wrap="square" tIns="91425">
+            <a:spAutoFit/>
+          </a:bodyPr>
+          <a:lstStyle/>
+          <a:p>
+            <a:pPr indent="-368300" lvl="0" marL="457200" rtl="0" algn="l">
+              <a:lnSpc>
+                <a:spcPct val="150000"/>
+              </a:lnSpc>
+              <a:spcBef>
+                <a:spcPts val="0"/>
+              </a:spcBef>
+              <a:spcAft>
+                <a:spcPts val="0"/>
+              </a:spcAft>
+              <a:buClr>
+                <a:schemeClr val="dk2"/>
+              </a:buClr>
+              <a:buSzPts val="2200"/>
+              <a:buFont typeface="Calibri"/>
+              <a:buChar char="●"/>
+            </a:pPr>
+            <a:r>
+              <a:rPr lang="en" sz="2200">
+                <a:solidFill>
+                  <a:schemeClr val="dk2"/>
+                </a:solidFill>
+                <a:latin typeface="Calibri"/>
+                <a:ea typeface="Calibri"/>
+                <a:cs typeface="Calibri"/>
+                <a:sym typeface="Calibri"/>
+              </a:rPr>
+              <a:t>Competitive Leaderboard</a:t>
+            </a:r>
+            <a:endParaRPr sz="2200">
+              <a:solidFill>
+                <a:schemeClr val="dk2"/>
+              </a:solidFill>
+              <a:latin typeface="Calibri"/>
+              <a:ea typeface="Calibri"/>
+              <a:cs typeface="Calibri"/>
+              <a:sym typeface="Calibri"/>
+            </a:endParaRPr>
+          </a:p>
+          <a:p>
+            <a:pPr indent="-368300" lvl="0" marL="457200" rtl="0" algn="l">
+              <a:lnSpc>
+                <a:spcPct val="150000"/>
+              </a:lnSpc>
+              <a:spcBef>
+                <a:spcPts val="0"/>
+              </a:spcBef>
+              <a:spcAft>
+                <a:spcPts val="0"/>
+              </a:spcAft>
+              <a:buClr>
+                <a:schemeClr val="dk2"/>
+              </a:buClr>
+              <a:buSzPts val="2200"/>
+              <a:buFont typeface="Calibri"/>
+              <a:buChar char="●"/>
+            </a:pPr>
+            <a:r>
+              <a:rPr lang="en" sz="2200">
+                <a:solidFill>
+                  <a:schemeClr val="dk2"/>
+                </a:solidFill>
+                <a:latin typeface="Calibri"/>
+                <a:ea typeface="Calibri"/>
+                <a:cs typeface="Calibri"/>
+                <a:sym typeface="Calibri"/>
+              </a:rPr>
+              <a:t>Free Use</a:t>
+            </a:r>
+            <a:endParaRPr sz="2200">
+              <a:solidFill>
+                <a:schemeClr val="dk2"/>
+              </a:solidFill>
+              <a:latin typeface="Calibri"/>
+              <a:ea typeface="Calibri"/>
+              <a:cs typeface="Calibri"/>
+              <a:sym typeface="Calibri"/>
+            </a:endParaRPr>
+          </a:p>
+          <a:p>
+            <a:pPr indent="-368300" lvl="0" marL="457200" rtl="0" algn="l">
+              <a:lnSpc>
+                <a:spcPct val="150000"/>
+              </a:lnSpc>
+              <a:spcBef>
+                <a:spcPts val="0"/>
+              </a:spcBef>
+              <a:spcAft>
+                <a:spcPts val="0"/>
+              </a:spcAft>
+              <a:buClr>
+                <a:schemeClr val="dk2"/>
+              </a:buClr>
+              <a:buSzPts val="2200"/>
+              <a:buFont typeface="Calibri"/>
+              <a:buChar char="●"/>
+            </a:pPr>
+            <a:r>
+              <a:rPr lang="en" sz="2200">
+                <a:solidFill>
+                  <a:schemeClr val="dk2"/>
+                </a:solidFill>
+                <a:latin typeface="Calibri"/>
+                <a:ea typeface="Calibri"/>
+                <a:cs typeface="Calibri"/>
+                <a:sym typeface="Calibri"/>
+              </a:rPr>
+              <a:t>97.37% accuracy</a:t>
+            </a:r>
+            <a:endParaRPr sz="2200">
+              <a:solidFill>
+                <a:schemeClr val="dk2"/>
+              </a:solidFill>
+              <a:latin typeface="Calibri"/>
+              <a:ea typeface="Calibri"/>
+              <a:cs typeface="Calibri"/>
+              <a:sym typeface="Calibri"/>
+            </a:endParaRPr>
+          </a:p>
+        </p:txBody>
+      </p:sp>
     </p:spTree>
   </p:cSld>
   <p:clrMapOvr>
@@ -10290,7 +10790,7 @@
   <p:cSld>
     <p:spTree>
       <p:nvGrpSpPr>
-        <p:cNvPr id="146" name="Shape 146"/>
+        <p:cNvPr id="148" name="Shape 148"/>
         <p:cNvGrpSpPr/>
         <p:nvPr/>
       </p:nvGrpSpPr>
@@ -10304,7 +10804,7 @@
       </p:grpSpPr>
       <p:sp>
         <p:nvSpPr>
-          <p:cNvPr id="147" name="Google Shape;147;p16"/>
+          <p:cNvPr id="149" name="Google Shape;149;p16"/>
           <p:cNvSpPr txBox="1"/>
           <p:nvPr>
             <p:ph type="title"/>
@@ -10344,7 +10844,7 @@
       </p:sp>
       <p:sp>
         <p:nvSpPr>
-          <p:cNvPr id="148" name="Google Shape;148;p16"/>
+          <p:cNvPr id="150" name="Google Shape;150;p16"/>
           <p:cNvSpPr txBox="1"/>
           <p:nvPr>
             <p:ph idx="1" type="body"/>
@@ -10442,7 +10942,7 @@
       </p:sp>
       <p:pic>
         <p:nvPicPr>
-          <p:cNvPr id="149" name="Google Shape;149;p16"/>
+          <p:cNvPr id="151" name="Google Shape;151;p16"/>
           <p:cNvPicPr preferRelativeResize="0"/>
           <p:nvPr/>
         </p:nvPicPr>
@@ -10481,7 +10981,7 @@
   <p:cSld>
     <p:spTree>
       <p:nvGrpSpPr>
-        <p:cNvPr id="153" name="Shape 153"/>
+        <p:cNvPr id="155" name="Shape 155"/>
         <p:cNvGrpSpPr/>
         <p:nvPr/>
       </p:nvGrpSpPr>
@@ -10493,37 +10993,9 @@
           <a:chExt cx="0" cy="0"/>
         </a:xfrm>
       </p:grpSpPr>
-      <p:pic>
-        <p:nvPicPr>
-          <p:cNvPr id="154" name="Google Shape;154;p17"/>
-          <p:cNvPicPr preferRelativeResize="0"/>
-          <p:nvPr/>
-        </p:nvPicPr>
-        <p:blipFill>
-          <a:blip r:embed="rId3">
-            <a:alphaModFix/>
-          </a:blip>
-          <a:stretch>
-            <a:fillRect/>
-          </a:stretch>
-        </p:blipFill>
-        <p:spPr>
-          <a:xfrm>
-            <a:off x="3895277" y="1504525"/>
-            <a:ext cx="3194250" cy="2448000"/>
-          </a:xfrm>
-          <a:prstGeom prst="rect">
-            <a:avLst/>
-          </a:prstGeom>
-          <a:noFill/>
-          <a:ln>
-            <a:noFill/>
-          </a:ln>
-        </p:spPr>
-      </p:pic>
       <p:sp>
         <p:nvSpPr>
-          <p:cNvPr id="155" name="Google Shape;155;p17"/>
+          <p:cNvPr id="156" name="Google Shape;156;p17"/>
           <p:cNvSpPr txBox="1"/>
           <p:nvPr>
             <p:ph type="title"/>
@@ -10531,7 +11003,7 @@
         </p:nvSpPr>
         <p:spPr>
           <a:xfrm>
-            <a:off x="819150" y="845600"/>
+            <a:off x="819150" y="210600"/>
             <a:ext cx="7505700" cy="954600"/>
           </a:xfrm>
           <a:prstGeom prst="rect">
@@ -10555,7 +11027,7 @@
             </a:pPr>
             <a:r>
               <a:rPr lang="en"/>
-              <a:t>Notebook</a:t>
+              <a:t>Loss</a:t>
             </a:r>
             <a:endParaRPr/>
           </a:p>
@@ -10563,7 +11035,7 @@
       </p:sp>
       <p:sp>
         <p:nvSpPr>
-          <p:cNvPr id="156" name="Google Shape;156;p17"/>
+          <p:cNvPr id="157" name="Google Shape;157;p17"/>
           <p:cNvSpPr txBox="1"/>
           <p:nvPr>
             <p:ph idx="1" type="body"/>
@@ -10571,8 +11043,8 @@
         </p:nvSpPr>
         <p:spPr>
           <a:xfrm>
-            <a:off x="819150" y="1990725"/>
-            <a:ext cx="3194400" cy="2448000"/>
+            <a:off x="868550" y="1581500"/>
+            <a:ext cx="2468700" cy="2129700"/>
           </a:xfrm>
           <a:prstGeom prst="rect">
             <a:avLst/>
@@ -10599,7 +11071,7 @@
             </a:pPr>
             <a:r>
               <a:rPr lang="en" sz="1900"/>
-              <a:t>Training, Validation + Testing</a:t>
+              <a:t>Best at Epoch 4</a:t>
             </a:r>
             <a:endParaRPr sz="1900"/>
           </a:p>
@@ -10619,7 +11091,7 @@
             </a:pPr>
             <a:r>
               <a:rPr lang="en" sz="1900"/>
-              <a:t>Display data and labeling</a:t>
+              <a:t>Overfitting</a:t>
             </a:r>
             <a:endParaRPr sz="1900"/>
           </a:p>
@@ -10639,7 +11111,7 @@
             </a:pPr>
             <a:r>
               <a:rPr lang="en" sz="1900"/>
-              <a:t>Loss &amp; Accuracy Plotting</a:t>
+              <a:t>Simple</a:t>
             </a:r>
             <a:endParaRPr sz="1900"/>
           </a:p>
@@ -10647,12 +11119,12 @@
       </p:sp>
       <p:pic>
         <p:nvPicPr>
-          <p:cNvPr id="157" name="Google Shape;157;p17"/>
+          <p:cNvPr id="158" name="Google Shape;158;p17"/>
           <p:cNvPicPr preferRelativeResize="0"/>
           <p:nvPr/>
         </p:nvPicPr>
         <p:blipFill>
-          <a:blip r:embed="rId4">
+          <a:blip r:embed="rId3">
             <a:alphaModFix/>
           </a:blip>
           <a:stretch>
@@ -10661,36 +11133,8 @@
         </p:blipFill>
         <p:spPr>
           <a:xfrm>
-            <a:off x="6554443" y="917225"/>
-            <a:ext cx="2522426" cy="2057400"/>
-          </a:xfrm>
-          <a:prstGeom prst="rect">
-            <a:avLst/>
-          </a:prstGeom>
-          <a:noFill/>
-          <a:ln>
-            <a:noFill/>
-          </a:ln>
-        </p:spPr>
-      </p:pic>
-      <p:pic>
-        <p:nvPicPr>
-          <p:cNvPr id="158" name="Google Shape;158;p17"/>
-          <p:cNvPicPr preferRelativeResize="0"/>
-          <p:nvPr/>
-        </p:nvPicPr>
-        <p:blipFill>
-          <a:blip r:embed="rId5">
-            <a:alphaModFix/>
-          </a:blip>
-          <a:stretch>
-            <a:fillRect/>
-          </a:stretch>
-        </p:blipFill>
-        <p:spPr>
-          <a:xfrm>
-            <a:off x="5663367" y="2571750"/>
-            <a:ext cx="3128984" cy="2345975"/>
+            <a:off x="3450175" y="717900"/>
+            <a:ext cx="5341050" cy="4005800"/>
           </a:xfrm>
           <a:prstGeom prst="rect">
             <a:avLst/>
@@ -10736,7 +11180,7 @@
         </p:nvSpPr>
         <p:spPr>
           <a:xfrm>
-            <a:off x="819150" y="210600"/>
+            <a:off x="819150" y="217650"/>
             <a:ext cx="7505700" cy="954600"/>
           </a:xfrm>
           <a:prstGeom prst="rect">
@@ -10760,7 +11204,7 @@
             </a:pPr>
             <a:r>
               <a:rPr lang="en"/>
-              <a:t>Loss</a:t>
+              <a:t>Accuracy</a:t>
             </a:r>
             <a:endParaRPr/>
           </a:p>
@@ -10776,8 +11220,8 @@
         </p:nvSpPr>
         <p:spPr>
           <a:xfrm>
-            <a:off x="868550" y="1581500"/>
-            <a:ext cx="2468700" cy="2129700"/>
+            <a:off x="649825" y="1440375"/>
+            <a:ext cx="3181500" cy="2884800"/>
           </a:xfrm>
           <a:prstGeom prst="rect">
             <a:avLst/>
@@ -10804,7 +11248,7 @@
             </a:pPr>
             <a:r>
               <a:rPr lang="en" sz="1900"/>
-              <a:t>Best at Epoch 4</a:t>
+              <a:t>Same as before</a:t>
             </a:r>
             <a:endParaRPr sz="1900"/>
           </a:p>
@@ -10844,7 +11288,7 @@
             </a:pPr>
             <a:r>
               <a:rPr lang="en" sz="1900"/>
-              <a:t>Simple</a:t>
+              <a:t>Highest accuracy is 83.24%</a:t>
             </a:r>
             <a:endParaRPr sz="1900"/>
           </a:p>
@@ -10866,8 +11310,8 @@
         </p:blipFill>
         <p:spPr>
           <a:xfrm>
-            <a:off x="3450175" y="717900"/>
-            <a:ext cx="5341050" cy="4005800"/>
+            <a:off x="3675950" y="998375"/>
+            <a:ext cx="5136426" cy="3852325"/>
           </a:xfrm>
           <a:prstGeom prst="rect">
             <a:avLst/>
@@ -10937,183 +11381,6 @@
             </a:pPr>
             <a:r>
               <a:rPr lang="en"/>
-              <a:t>Accuracy</a:t>
-            </a:r>
-            <a:endParaRPr/>
-          </a:p>
-        </p:txBody>
-      </p:sp>
-      <p:sp>
-        <p:nvSpPr>
-          <p:cNvPr id="171" name="Google Shape;171;p19"/>
-          <p:cNvSpPr txBox="1"/>
-          <p:nvPr>
-            <p:ph idx="1" type="body"/>
-          </p:nvPr>
-        </p:nvSpPr>
-        <p:spPr>
-          <a:xfrm>
-            <a:off x="649825" y="1440375"/>
-            <a:ext cx="3181500" cy="2884800"/>
-          </a:xfrm>
-          <a:prstGeom prst="rect">
-            <a:avLst/>
-          </a:prstGeom>
-        </p:spPr>
-        <p:txBody>
-          <a:bodyPr anchorCtr="0" anchor="t" bIns="91425" lIns="91425" spcFirstLastPara="1" rIns="91425" wrap="square" tIns="91425">
-            <a:normAutofit/>
-          </a:bodyPr>
-          <a:lstStyle/>
-          <a:p>
-            <a:pPr indent="-349250" lvl="0" marL="457200" rtl="0" algn="l">
-              <a:lnSpc>
-                <a:spcPct val="150000"/>
-              </a:lnSpc>
-              <a:spcBef>
-                <a:spcPts val="0"/>
-              </a:spcBef>
-              <a:spcAft>
-                <a:spcPts val="0"/>
-              </a:spcAft>
-              <a:buSzPts val="1900"/>
-              <a:buChar char="●"/>
-            </a:pPr>
-            <a:r>
-              <a:rPr lang="en" sz="1900"/>
-              <a:t>Same as before</a:t>
-            </a:r>
-            <a:endParaRPr sz="1900"/>
-          </a:p>
-          <a:p>
-            <a:pPr indent="-349250" lvl="0" marL="457200" rtl="0" algn="l">
-              <a:lnSpc>
-                <a:spcPct val="150000"/>
-              </a:lnSpc>
-              <a:spcBef>
-                <a:spcPts val="0"/>
-              </a:spcBef>
-              <a:spcAft>
-                <a:spcPts val="0"/>
-              </a:spcAft>
-              <a:buSzPts val="1900"/>
-              <a:buChar char="●"/>
-            </a:pPr>
-            <a:r>
-              <a:rPr lang="en" sz="1900"/>
-              <a:t>Overfitting</a:t>
-            </a:r>
-            <a:endParaRPr sz="1900"/>
-          </a:p>
-          <a:p>
-            <a:pPr indent="-349250" lvl="0" marL="457200" rtl="0" algn="l">
-              <a:lnSpc>
-                <a:spcPct val="150000"/>
-              </a:lnSpc>
-              <a:spcBef>
-                <a:spcPts val="0"/>
-              </a:spcBef>
-              <a:spcAft>
-                <a:spcPts val="0"/>
-              </a:spcAft>
-              <a:buSzPts val="1900"/>
-              <a:buChar char="●"/>
-            </a:pPr>
-            <a:r>
-              <a:rPr lang="en" sz="1900"/>
-              <a:t>Highest accuracy is 83.24%</a:t>
-            </a:r>
-            <a:endParaRPr sz="1900"/>
-          </a:p>
-        </p:txBody>
-      </p:sp>
-      <p:pic>
-        <p:nvPicPr>
-          <p:cNvPr id="172" name="Google Shape;172;p19"/>
-          <p:cNvPicPr preferRelativeResize="0"/>
-          <p:nvPr/>
-        </p:nvPicPr>
-        <p:blipFill>
-          <a:blip r:embed="rId3">
-            <a:alphaModFix/>
-          </a:blip>
-          <a:stretch>
-            <a:fillRect/>
-          </a:stretch>
-        </p:blipFill>
-        <p:spPr>
-          <a:xfrm>
-            <a:off x="3675950" y="998375"/>
-            <a:ext cx="5136426" cy="3852325"/>
-          </a:xfrm>
-          <a:prstGeom prst="rect">
-            <a:avLst/>
-          </a:prstGeom>
-          <a:noFill/>
-          <a:ln>
-            <a:noFill/>
-          </a:ln>
-        </p:spPr>
-      </p:pic>
-    </p:spTree>
-  </p:cSld>
-  <p:clrMapOvr>
-    <a:masterClrMapping/>
-  </p:clrMapOvr>
-</p:sld>
-</file>
-
-<file path=ppt/slides/slide8.xml><?xml version="1.0" encoding="utf-8"?>
-<p:sld xmlns:a="http://schemas.openxmlformats.org/drawingml/2006/main" xmlns:r="http://schemas.openxmlformats.org/officeDocument/2006/relationships" xmlns:mc="http://schemas.openxmlformats.org/markup-compatibility/2006" xmlns:mv="urn:schemas-microsoft-com:mac:vml" xmlns:p="http://schemas.openxmlformats.org/presentationml/2006/main" xmlns:c="http://schemas.openxmlformats.org/drawingml/2006/chart" xmlns:dgm="http://schemas.openxmlformats.org/drawingml/2006/diagram" xmlns:o="urn:schemas-microsoft-com:office:office" xmlns:v="urn:schemas-microsoft-com:vml" xmlns:pvml="urn:schemas-microsoft-com:office:powerpoint" xmlns:com="http://schemas.openxmlformats.org/drawingml/2006/compatibility" xmlns:p14="http://schemas.microsoft.com/office/powerpoint/2010/main" xmlns:p15="http://schemas.microsoft.com/office/powerpoint/2012/main" xmlns:ahyp="http://schemas.microsoft.com/office/drawing/2018/hyperlinkcolor">
-  <p:cSld>
-    <p:spTree>
-      <p:nvGrpSpPr>
-        <p:cNvPr id="176" name="Shape 176"/>
-        <p:cNvGrpSpPr/>
-        <p:nvPr/>
-      </p:nvGrpSpPr>
-      <p:grpSpPr>
-        <a:xfrm>
-          <a:off x="0" y="0"/>
-          <a:ext cx="0" cy="0"/>
-          <a:chOff x="0" y="0"/>
-          <a:chExt cx="0" cy="0"/>
-        </a:xfrm>
-      </p:grpSpPr>
-      <p:sp>
-        <p:nvSpPr>
-          <p:cNvPr id="177" name="Google Shape;177;p20"/>
-          <p:cNvSpPr txBox="1"/>
-          <p:nvPr>
-            <p:ph type="title"/>
-          </p:nvPr>
-        </p:nvSpPr>
-        <p:spPr>
-          <a:xfrm>
-            <a:off x="819150" y="217650"/>
-            <a:ext cx="7505700" cy="954600"/>
-          </a:xfrm>
-          <a:prstGeom prst="rect">
-            <a:avLst/>
-          </a:prstGeom>
-        </p:spPr>
-        <p:txBody>
-          <a:bodyPr anchorCtr="0" anchor="t" bIns="91425" lIns="91425" spcFirstLastPara="1" rIns="91425" wrap="square" tIns="91425">
-            <a:normAutofit/>
-          </a:bodyPr>
-          <a:lstStyle/>
-          <a:p>
-            <a:pPr indent="0" lvl="0" marL="0" rtl="0" algn="ctr">
-              <a:spcBef>
-                <a:spcPts val="0"/>
-              </a:spcBef>
-              <a:spcAft>
-                <a:spcPts val="0"/>
-              </a:spcAft>
-              <a:buNone/>
-            </a:pPr>
-            <a:r>
-              <a:rPr lang="en"/>
               <a:t>Learning Rate</a:t>
             </a:r>
             <a:endParaRPr/>
@@ -11122,7 +11389,7 @@
       </p:sp>
       <p:pic>
         <p:nvPicPr>
-          <p:cNvPr id="178" name="Google Shape;178;p20"/>
+          <p:cNvPr id="171" name="Google Shape;171;p19"/>
           <p:cNvPicPr preferRelativeResize="0"/>
           <p:nvPr/>
         </p:nvPicPr>
@@ -11150,7 +11417,7 @@
       </p:pic>
       <p:sp>
         <p:nvSpPr>
-          <p:cNvPr id="179" name="Google Shape;179;p20"/>
+          <p:cNvPr id="172" name="Google Shape;172;p19"/>
           <p:cNvSpPr txBox="1"/>
           <p:nvPr/>
         </p:nvSpPr>
@@ -11275,12 +11542,245 @@
 </p:sld>
 </file>
 
+<file path=ppt/slides/slide8.xml><?xml version="1.0" encoding="utf-8"?>
+<p:sld xmlns:a="http://schemas.openxmlformats.org/drawingml/2006/main" xmlns:r="http://schemas.openxmlformats.org/officeDocument/2006/relationships" xmlns:mc="http://schemas.openxmlformats.org/markup-compatibility/2006" xmlns:mv="urn:schemas-microsoft-com:mac:vml" xmlns:p="http://schemas.openxmlformats.org/presentationml/2006/main" xmlns:c="http://schemas.openxmlformats.org/drawingml/2006/chart" xmlns:dgm="http://schemas.openxmlformats.org/drawingml/2006/diagram" xmlns:o="urn:schemas-microsoft-com:office:office" xmlns:v="urn:schemas-microsoft-com:vml" xmlns:pvml="urn:schemas-microsoft-com:office:powerpoint" xmlns:com="http://schemas.openxmlformats.org/drawingml/2006/compatibility" xmlns:p14="http://schemas.microsoft.com/office/powerpoint/2010/main" xmlns:p15="http://schemas.microsoft.com/office/powerpoint/2012/main" xmlns:ahyp="http://schemas.microsoft.com/office/drawing/2018/hyperlinkcolor">
+  <p:cSld>
+    <p:spTree>
+      <p:nvGrpSpPr>
+        <p:cNvPr id="176" name="Shape 176"/>
+        <p:cNvGrpSpPr/>
+        <p:nvPr/>
+      </p:nvGrpSpPr>
+      <p:grpSpPr>
+        <a:xfrm>
+          <a:off x="0" y="0"/>
+          <a:ext cx="0" cy="0"/>
+          <a:chOff x="0" y="0"/>
+          <a:chExt cx="0" cy="0"/>
+        </a:xfrm>
+      </p:grpSpPr>
+      <p:pic>
+        <p:nvPicPr>
+          <p:cNvPr id="177" name="Google Shape;177;p20"/>
+          <p:cNvPicPr preferRelativeResize="0"/>
+          <p:nvPr/>
+        </p:nvPicPr>
+        <p:blipFill>
+          <a:blip r:embed="rId3">
+            <a:alphaModFix/>
+          </a:blip>
+          <a:stretch>
+            <a:fillRect/>
+          </a:stretch>
+        </p:blipFill>
+        <p:spPr>
+          <a:xfrm>
+            <a:off x="3895277" y="1504525"/>
+            <a:ext cx="3194250" cy="2448000"/>
+          </a:xfrm>
+          <a:prstGeom prst="rect">
+            <a:avLst/>
+          </a:prstGeom>
+          <a:noFill/>
+          <a:ln>
+            <a:noFill/>
+          </a:ln>
+        </p:spPr>
+      </p:pic>
+      <p:sp>
+        <p:nvSpPr>
+          <p:cNvPr id="178" name="Google Shape;178;p20"/>
+          <p:cNvSpPr txBox="1"/>
+          <p:nvPr>
+            <p:ph type="title"/>
+          </p:nvPr>
+        </p:nvSpPr>
+        <p:spPr>
+          <a:xfrm>
+            <a:off x="819150" y="845600"/>
+            <a:ext cx="7505700" cy="954600"/>
+          </a:xfrm>
+          <a:prstGeom prst="rect">
+            <a:avLst/>
+          </a:prstGeom>
+        </p:spPr>
+        <p:txBody>
+          <a:bodyPr anchorCtr="0" anchor="t" bIns="91425" lIns="91425" spcFirstLastPara="1" rIns="91425" wrap="square" tIns="91425">
+            <a:normAutofit/>
+          </a:bodyPr>
+          <a:lstStyle/>
+          <a:p>
+            <a:pPr indent="0" lvl="0" marL="0" rtl="0" algn="ctr">
+              <a:spcBef>
+                <a:spcPts val="0"/>
+              </a:spcBef>
+              <a:spcAft>
+                <a:spcPts val="0"/>
+              </a:spcAft>
+              <a:buNone/>
+            </a:pPr>
+            <a:r>
+              <a:rPr lang="en"/>
+              <a:t>Notebook</a:t>
+            </a:r>
+            <a:endParaRPr/>
+          </a:p>
+        </p:txBody>
+      </p:sp>
+      <p:sp>
+        <p:nvSpPr>
+          <p:cNvPr id="179" name="Google Shape;179;p20"/>
+          <p:cNvSpPr txBox="1"/>
+          <p:nvPr>
+            <p:ph idx="1" type="body"/>
+          </p:nvPr>
+        </p:nvSpPr>
+        <p:spPr>
+          <a:xfrm>
+            <a:off x="819150" y="1990725"/>
+            <a:ext cx="3194400" cy="2448000"/>
+          </a:xfrm>
+          <a:prstGeom prst="rect">
+            <a:avLst/>
+          </a:prstGeom>
+        </p:spPr>
+        <p:txBody>
+          <a:bodyPr anchorCtr="0" anchor="t" bIns="91425" lIns="91425" spcFirstLastPara="1" rIns="91425" wrap="square" tIns="91425">
+            <a:normAutofit/>
+          </a:bodyPr>
+          <a:lstStyle/>
+          <a:p>
+            <a:pPr indent="-349250" lvl="0" marL="457200" rtl="0" algn="l">
+              <a:lnSpc>
+                <a:spcPct val="150000"/>
+              </a:lnSpc>
+              <a:spcBef>
+                <a:spcPts val="0"/>
+              </a:spcBef>
+              <a:spcAft>
+                <a:spcPts val="0"/>
+              </a:spcAft>
+              <a:buSzPts val="1900"/>
+              <a:buChar char="●"/>
+            </a:pPr>
+            <a:r>
+              <a:rPr lang="en" sz="1900"/>
+              <a:t>Training, Validation + Testing</a:t>
+            </a:r>
+            <a:endParaRPr sz="1900"/>
+          </a:p>
+          <a:p>
+            <a:pPr indent="-349250" lvl="0" marL="457200" rtl="0" algn="l">
+              <a:lnSpc>
+                <a:spcPct val="150000"/>
+              </a:lnSpc>
+              <a:spcBef>
+                <a:spcPts val="0"/>
+              </a:spcBef>
+              <a:spcAft>
+                <a:spcPts val="0"/>
+              </a:spcAft>
+              <a:buSzPts val="1900"/>
+              <a:buChar char="●"/>
+            </a:pPr>
+            <a:r>
+              <a:rPr lang="en" sz="1900"/>
+              <a:t>Display data and labeling</a:t>
+            </a:r>
+            <a:endParaRPr sz="1900"/>
+          </a:p>
+          <a:p>
+            <a:pPr indent="-349250" lvl="0" marL="457200" rtl="0" algn="l">
+              <a:lnSpc>
+                <a:spcPct val="150000"/>
+              </a:lnSpc>
+              <a:spcBef>
+                <a:spcPts val="0"/>
+              </a:spcBef>
+              <a:spcAft>
+                <a:spcPts val="0"/>
+              </a:spcAft>
+              <a:buSzPts val="1900"/>
+              <a:buChar char="●"/>
+            </a:pPr>
+            <a:r>
+              <a:rPr lang="en" sz="1900"/>
+              <a:t>Loss &amp; Accuracy Plotting</a:t>
+            </a:r>
+            <a:endParaRPr sz="1900"/>
+          </a:p>
+        </p:txBody>
+      </p:sp>
+      <p:pic>
+        <p:nvPicPr>
+          <p:cNvPr id="180" name="Google Shape;180;p20"/>
+          <p:cNvPicPr preferRelativeResize="0"/>
+          <p:nvPr/>
+        </p:nvPicPr>
+        <p:blipFill>
+          <a:blip r:embed="rId4">
+            <a:alphaModFix/>
+          </a:blip>
+          <a:stretch>
+            <a:fillRect/>
+          </a:stretch>
+        </p:blipFill>
+        <p:spPr>
+          <a:xfrm>
+            <a:off x="6554443" y="917225"/>
+            <a:ext cx="2522426" cy="2057400"/>
+          </a:xfrm>
+          <a:prstGeom prst="rect">
+            <a:avLst/>
+          </a:prstGeom>
+          <a:noFill/>
+          <a:ln>
+            <a:noFill/>
+          </a:ln>
+        </p:spPr>
+      </p:pic>
+      <p:pic>
+        <p:nvPicPr>
+          <p:cNvPr id="181" name="Google Shape;181;p20"/>
+          <p:cNvPicPr preferRelativeResize="0"/>
+          <p:nvPr/>
+        </p:nvPicPr>
+        <p:blipFill>
+          <a:blip r:embed="rId5">
+            <a:alphaModFix/>
+          </a:blip>
+          <a:stretch>
+            <a:fillRect/>
+          </a:stretch>
+        </p:blipFill>
+        <p:spPr>
+          <a:xfrm>
+            <a:off x="5663367" y="2571750"/>
+            <a:ext cx="3128984" cy="2345975"/>
+          </a:xfrm>
+          <a:prstGeom prst="rect">
+            <a:avLst/>
+          </a:prstGeom>
+          <a:noFill/>
+          <a:ln>
+            <a:noFill/>
+          </a:ln>
+        </p:spPr>
+      </p:pic>
+    </p:spTree>
+  </p:cSld>
+  <p:clrMapOvr>
+    <a:masterClrMapping/>
+  </p:clrMapOvr>
+</p:sld>
+</file>
+
 <file path=ppt/slides/slide9.xml><?xml version="1.0" encoding="utf-8"?>
 <p:sld xmlns:a="http://schemas.openxmlformats.org/drawingml/2006/main" xmlns:r="http://schemas.openxmlformats.org/officeDocument/2006/relationships" xmlns:mc="http://schemas.openxmlformats.org/markup-compatibility/2006" xmlns:mv="urn:schemas-microsoft-com:mac:vml" xmlns:p="http://schemas.openxmlformats.org/presentationml/2006/main" xmlns:c="http://schemas.openxmlformats.org/drawingml/2006/chart" xmlns:dgm="http://schemas.openxmlformats.org/drawingml/2006/diagram" xmlns:o="urn:schemas-microsoft-com:office:office" xmlns:v="urn:schemas-microsoft-com:vml" xmlns:pvml="urn:schemas-microsoft-com:office:powerpoint" xmlns:com="http://schemas.openxmlformats.org/drawingml/2006/compatibility" xmlns:p14="http://schemas.microsoft.com/office/powerpoint/2010/main" xmlns:p15="http://schemas.microsoft.com/office/powerpoint/2012/main" xmlns:ahyp="http://schemas.microsoft.com/office/drawing/2018/hyperlinkcolor">
   <p:cSld>
     <p:spTree>
       <p:nvGrpSpPr>
-        <p:cNvPr id="183" name="Shape 183"/>
+        <p:cNvPr id="185" name="Shape 185"/>
         <p:cNvGrpSpPr/>
         <p:nvPr/>
       </p:nvGrpSpPr>
@@ -11294,7 +11794,7 @@
       </p:grpSpPr>
       <p:sp>
         <p:nvSpPr>
-          <p:cNvPr id="184" name="Google Shape;184;p21"/>
+          <p:cNvPr id="186" name="Google Shape;186;p21"/>
           <p:cNvSpPr txBox="1"/>
           <p:nvPr>
             <p:ph type="title"/>
